--- a/Curriculum/Week_1/Lectures/1.2_Mac_Terminal.pptx
+++ b/Curriculum/Week_1/Lectures/1.2_Mac_Terminal.pptx
@@ -14973,7 +14973,7 @@
           <a:p>
             <a:pPr marL="457200" marR="0" lvl="0" indent="-342900" algn="l" rtl="0">
               <a:lnSpc>
-                <a:spcPct val="115000"/>
+                <a:spcPct val="120000"/>
               </a:lnSpc>
               <a:spcBef>
                 <a:spcPts val="0"/>
@@ -14989,7 +14989,7 @@
               <a:buChar char="●"/>
             </a:pPr>
             <a:r>
-              <a:rPr lang="en-US" sz="1800" b="0" i="0" u="none" strike="noStrike" cap="none">
+              <a:rPr lang="en-US" sz="1800" b="0" i="0" u="none" strike="noStrike" cap="none" dirty="0">
                 <a:solidFill>
                   <a:schemeClr val="dk2"/>
                 </a:solidFill>
@@ -14998,32 +14998,28 @@
                 <a:cs typeface="Open Sans"/>
                 <a:sym typeface="Open Sans"/>
               </a:rPr>
-              <a:t>An operating system that was created a long time ago (1970s)</a:t>
+              <a:t>An operating system that was created a long time ago (1970s</a:t>
             </a:r>
-          </a:p>
-          <a:p>
-            <a:pPr marL="457200" lvl="0" indent="-342900" rtl="0">
-              <a:spcBef>
-                <a:spcPts val="0"/>
-              </a:spcBef>
-              <a:spcAft>
-                <a:spcPts val="1000"/>
-              </a:spcAft>
-              <a:buSzPct val="100000"/>
-              <a:buChar char="●"/>
-            </a:pPr>
             <a:r>
-              <a:rPr lang="en-US"/>
-              <a:t>Back when computers were first introduced, there was no GUI -- the only way of navigating around or doing anything was by issuing UNIX commands in a terminal</a:t>
+              <a:rPr lang="en-US" sz="1800" b="0" i="0" u="none" strike="noStrike" cap="none" dirty="0" smtClean="0">
+                <a:solidFill>
+                  <a:schemeClr val="dk2"/>
+                </a:solidFill>
+                <a:latin typeface="Open Sans"/>
+                <a:ea typeface="Open Sans"/>
+                <a:cs typeface="Open Sans"/>
+                <a:sym typeface="Open Sans"/>
+              </a:rPr>
+              <a:t>)</a:t>
             </a:r>
           </a:p>
           <a:p>
             <a:pPr marL="457200" marR="0" lvl="0" indent="-342900" algn="l" rtl="0">
               <a:lnSpc>
-                <a:spcPct val="115000"/>
-              </a:lnSpc>
-              <a:spcBef>
-                <a:spcPts val="1000"/>
+                <a:spcPct val="120000"/>
+              </a:lnSpc>
+              <a:spcBef>
+                <a:spcPts val="0"/>
               </a:spcBef>
               <a:spcAft>
                 <a:spcPts val="1000"/>
@@ -15036,7 +15032,34 @@
               <a:buChar char="●"/>
             </a:pPr>
             <a:r>
-              <a:rPr lang="en-US" sz="1800" b="0" i="0" u="none" strike="noStrike" cap="none">
+              <a:rPr lang="en-US" dirty="0" smtClean="0"/>
+              <a:t>Back </a:t>
+            </a:r>
+            <a:r>
+              <a:rPr lang="en-US" dirty="0"/>
+              <a:t>when computers were first introduced, there was no GUI -- the only way of navigating around or doing anything was by issuing UNIX commands in a </a:t>
+            </a:r>
+            <a:r>
+              <a:rPr lang="en-US" dirty="0" smtClean="0"/>
+              <a:t>terminal</a:t>
+            </a:r>
+          </a:p>
+          <a:p>
+            <a:pPr marL="457200" lvl="0" indent="-342900" rtl="0">
+              <a:lnSpc>
+                <a:spcPct val="120000"/>
+              </a:lnSpc>
+              <a:spcBef>
+                <a:spcPts val="0"/>
+              </a:spcBef>
+              <a:spcAft>
+                <a:spcPts val="1000"/>
+              </a:spcAft>
+              <a:buSzPct val="100000"/>
+              <a:buChar char="●"/>
+            </a:pPr>
+            <a:r>
+              <a:rPr lang="en-US" sz="1800" b="0" i="0" u="none" strike="noStrike" cap="none" dirty="0" smtClean="0">
                 <a:solidFill>
                   <a:schemeClr val="dk2"/>
                 </a:solidFill>
@@ -15045,29 +15068,10 @@
                 <a:cs typeface="Open Sans"/>
                 <a:sym typeface="Open Sans"/>
               </a:rPr>
-              <a:t>Linux and MacOS are examples of operating systems that are based off of UNIX</a:t>
+              <a:t>Linux </a:t>
             </a:r>
-          </a:p>
-          <a:p>
-            <a:pPr marL="914400" marR="0" lvl="1" indent="-317500" algn="l" rtl="0">
-              <a:lnSpc>
-                <a:spcPct val="115000"/>
-              </a:lnSpc>
-              <a:spcBef>
-                <a:spcPts val="1600"/>
-              </a:spcBef>
-              <a:spcAft>
-                <a:spcPts val="1000"/>
-              </a:spcAft>
-              <a:buClr>
-                <a:schemeClr val="dk2"/>
-              </a:buClr>
-              <a:buSzPct val="100000"/>
-              <a:buFont typeface="Open Sans"/>
-              <a:buChar char="○"/>
-            </a:pPr>
             <a:r>
-              <a:rPr lang="en-US" sz="1400" b="0" i="0" u="none" strike="noStrike" cap="none">
+              <a:rPr lang="en-US" sz="1800" b="0" i="0" u="none" strike="noStrike" cap="none" dirty="0">
                 <a:solidFill>
                   <a:schemeClr val="dk2"/>
                 </a:solidFill>
@@ -15076,8 +15080,101 @@
                 <a:cs typeface="Open Sans"/>
                 <a:sym typeface="Open Sans"/>
               </a:rPr>
-              <a:t>You can use UNIX commands in Linux and MacOS</a:t>
+              <a:t>and </a:t>
             </a:r>
+            <a:r>
+              <a:rPr lang="en-US" sz="1800" b="0" i="0" u="none" strike="noStrike" cap="none" dirty="0" err="1">
+                <a:solidFill>
+                  <a:schemeClr val="dk2"/>
+                </a:solidFill>
+                <a:latin typeface="Open Sans"/>
+                <a:ea typeface="Open Sans"/>
+                <a:cs typeface="Open Sans"/>
+                <a:sym typeface="Open Sans"/>
+              </a:rPr>
+              <a:t>MacOS</a:t>
+            </a:r>
+            <a:r>
+              <a:rPr lang="en-US" sz="1800" b="0" i="0" u="none" strike="noStrike" cap="none" dirty="0">
+                <a:solidFill>
+                  <a:schemeClr val="dk2"/>
+                </a:solidFill>
+                <a:latin typeface="Open Sans"/>
+                <a:ea typeface="Open Sans"/>
+                <a:cs typeface="Open Sans"/>
+                <a:sym typeface="Open Sans"/>
+              </a:rPr>
+              <a:t> are examples of operating systems that are based off of </a:t>
+            </a:r>
+            <a:r>
+              <a:rPr lang="en-US" sz="1800" b="0" i="0" u="none" strike="noStrike" cap="none" dirty="0" smtClean="0">
+                <a:solidFill>
+                  <a:schemeClr val="dk2"/>
+                </a:solidFill>
+                <a:latin typeface="Open Sans"/>
+                <a:ea typeface="Open Sans"/>
+                <a:cs typeface="Open Sans"/>
+                <a:sym typeface="Open Sans"/>
+              </a:rPr>
+              <a:t>UNIX</a:t>
+            </a:r>
+          </a:p>
+          <a:p>
+            <a:pPr marL="914400" lvl="1" indent="-342900">
+              <a:lnSpc>
+                <a:spcPct val="120000"/>
+              </a:lnSpc>
+              <a:spcAft>
+                <a:spcPts val="1000"/>
+              </a:spcAft>
+              <a:buSzPct val="100000"/>
+              <a:buChar char="●"/>
+            </a:pPr>
+            <a:r>
+              <a:rPr lang="en-US" b="0" i="0" u="none" strike="noStrike" cap="none" dirty="0" smtClean="0">
+                <a:solidFill>
+                  <a:schemeClr val="dk2"/>
+                </a:solidFill>
+                <a:latin typeface="Open Sans"/>
+                <a:ea typeface="Open Sans"/>
+                <a:cs typeface="Open Sans"/>
+                <a:sym typeface="Open Sans"/>
+              </a:rPr>
+              <a:t>You </a:t>
+            </a:r>
+            <a:r>
+              <a:rPr lang="en-US" b="0" i="0" u="none" strike="noStrike" cap="none" dirty="0">
+                <a:solidFill>
+                  <a:schemeClr val="dk2"/>
+                </a:solidFill>
+                <a:latin typeface="Open Sans"/>
+                <a:ea typeface="Open Sans"/>
+                <a:cs typeface="Open Sans"/>
+                <a:sym typeface="Open Sans"/>
+              </a:rPr>
+              <a:t>can use UNIX commands in Linux and </a:t>
+            </a:r>
+            <a:r>
+              <a:rPr lang="en-US" b="0" i="0" u="none" strike="noStrike" cap="none" dirty="0" err="1">
+                <a:solidFill>
+                  <a:schemeClr val="dk2"/>
+                </a:solidFill>
+                <a:latin typeface="Open Sans"/>
+                <a:ea typeface="Open Sans"/>
+                <a:cs typeface="Open Sans"/>
+                <a:sym typeface="Open Sans"/>
+              </a:rPr>
+              <a:t>MacOS</a:t>
+            </a:r>
+            <a:endParaRPr lang="en-US" b="0" i="0" u="none" strike="noStrike" cap="none" dirty="0">
+              <a:solidFill>
+                <a:schemeClr val="dk2"/>
+              </a:solidFill>
+              <a:latin typeface="Open Sans"/>
+              <a:ea typeface="Open Sans"/>
+              <a:cs typeface="Open Sans"/>
+              <a:sym typeface="Open Sans"/>
+            </a:endParaRPr>
           </a:p>
         </p:txBody>
       </p:sp>
